--- a/Notebooks/figures/chap08/4/figure.pptx
+++ b/Notebooks/figures/chap08/4/figure.pptx
@@ -191,7 +191,7 @@
             </a:lvl1pPr>
           </a:lstStyle>
           <a:p>
-            <a:fld id="{F5BE41C3-D8DF-B048-AE87-98D6FC419EBD}" type="datetimeFigureOut">
+            <a:fld id="{0D759D5B-E4C2-944D-8E2F-E0A42007E400}" type="datetimeFigureOut">
               <a:rPr lang="en-US" smtClean="0"/>
               <a:t>11/14/19</a:t>
             </a:fld>
@@ -350,7 +350,7 @@
             </a:lvl1pPr>
           </a:lstStyle>
           <a:p>
-            <a:fld id="{2B6005FB-3BA6-1A45-AB9D-557183937263}" type="slidenum">
+            <a:fld id="{BB02D559-30AF-1C43-B03C-C0D729050E8C}" type="slidenum">
               <a:rPr lang="en-US" smtClean="0"/>
               <a:t>‹#›</a:t>
             </a:fld>
@@ -361,7 +361,7 @@
     </p:spTree>
     <p:extLst>
       <p:ext uri="{BB962C8B-B14F-4D97-AF65-F5344CB8AC3E}">
-        <p14:creationId xmlns:p14="http://schemas.microsoft.com/office/powerpoint/2010/main" val="596935711"/>
+        <p14:creationId xmlns:p14="http://schemas.microsoft.com/office/powerpoint/2010/main" val="1572670654"/>
       </p:ext>
     </p:extLst>
   </p:cSld>
@@ -495,7 +495,7 @@
           <a:bodyPr/>
           <a:lstStyle/>
           <a:p>
-            <a:fld id="{BD374AF4-78E6-3F4B-9BE2-8A992730E2D4}" type="slidenum">
+            <a:fld id="{F4465797-91E1-4446-8F53-4AE3AACC3022}" type="slidenum">
               <a:rPr lang="en-US"/>
               <a:pPr/>
               <a:t>1</a:t>
@@ -506,7 +506,7 @@
       </p:sp>
       <p:sp>
         <p:nvSpPr>
-          <p:cNvPr id="125954" name="Rectangle 2"/>
+          <p:cNvPr id="63490" name="Rectangle 2"/>
           <p:cNvSpPr>
             <a:spLocks noGrp="1" noRot="1" noChangeAspect="1" noChangeArrowheads="1"/>
           </p:cNvSpPr>
@@ -542,7 +542,7 @@
       </p:sp>
       <p:sp>
         <p:nvSpPr>
-          <p:cNvPr id="125955" name="Rectangle 3"/>
+          <p:cNvPr id="63491" name="Rectangle 3"/>
           <p:cNvSpPr>
             <a:spLocks noGrp="1" noChangeArrowheads="1"/>
           </p:cNvSpPr>
@@ -586,7 +586,7 @@
     </p:spTree>
     <p:extLst>
       <p:ext uri="{BB962C8B-B14F-4D97-AF65-F5344CB8AC3E}">
-        <p14:creationId xmlns:p14="http://schemas.microsoft.com/office/powerpoint/2010/main" val="1802379640"/>
+        <p14:creationId xmlns:p14="http://schemas.microsoft.com/office/powerpoint/2010/main" val="646954502"/>
       </p:ext>
     </p:extLst>
   </p:cSld>
@@ -11721,7 +11721,7 @@
       </p:grpSpPr>
       <p:sp>
         <p:nvSpPr>
-          <p:cNvPr id="124930" name="Rectangle 2"/>
+          <p:cNvPr id="62466" name="Rectangle 2"/>
           <p:cNvSpPr>
             <a:spLocks noChangeArrowheads="1"/>
           </p:cNvSpPr>
@@ -11729,7 +11729,7 @@
         </p:nvSpPr>
         <p:spPr bwMode="auto">
           <a:xfrm>
-            <a:off x="2329070" y="1324665"/>
+            <a:off x="2183296" y="1284908"/>
             <a:ext cx="4724400" cy="4406900"/>
           </a:xfrm>
           <a:prstGeom prst="rect">
@@ -11764,7 +11764,7 @@
       </p:sp>
       <p:sp>
         <p:nvSpPr>
-          <p:cNvPr id="124933" name="Rectangle 5"/>
+          <p:cNvPr id="62469" name="Rectangle 5"/>
           <p:cNvSpPr>
             <a:spLocks noChangeArrowheads="1"/>
           </p:cNvSpPr>
@@ -11772,7 +11772,7 @@
         </p:nvSpPr>
         <p:spPr bwMode="auto">
           <a:xfrm>
-            <a:off x="2649745" y="1705665"/>
+            <a:off x="2503971" y="1665908"/>
             <a:ext cx="1828800" cy="673100"/>
           </a:xfrm>
           <a:prstGeom prst="rect">
@@ -11807,7 +11807,7 @@
       </p:sp>
       <p:sp>
         <p:nvSpPr>
-          <p:cNvPr id="124934" name="Rectangle 6"/>
+          <p:cNvPr id="62470" name="Rectangle 6"/>
           <p:cNvSpPr>
             <a:spLocks noChangeArrowheads="1"/>
           </p:cNvSpPr>
@@ -11815,7 +11815,7 @@
         </p:nvSpPr>
         <p:spPr bwMode="auto">
           <a:xfrm>
-            <a:off x="2649745" y="2772465"/>
+            <a:off x="2503971" y="2732708"/>
             <a:ext cx="1828800" cy="673100"/>
           </a:xfrm>
           <a:prstGeom prst="rect">
@@ -11850,17 +11850,17 @@
       </p:sp>
       <p:cxnSp>
         <p:nvCxnSpPr>
-          <p:cNvPr id="124935" name="AutoShape 7"/>
+          <p:cNvPr id="62471" name="AutoShape 7"/>
           <p:cNvCxnSpPr>
             <a:cxnSpLocks noChangeShapeType="1"/>
-            <a:stCxn id="124934" idx="0"/>
-            <a:endCxn id="124933" idx="2"/>
+            <a:stCxn id="62470" idx="0"/>
+            <a:endCxn id="62469" idx="2"/>
           </p:cNvCxnSpPr>
           <p:nvPr/>
         </p:nvCxnSpPr>
         <p:spPr bwMode="auto">
           <a:xfrm flipV="1">
-            <a:off x="3564145" y="2378765"/>
+            <a:off x="3418371" y="2339008"/>
             <a:ext cx="0" cy="393700"/>
           </a:xfrm>
           <a:prstGeom prst="straightConnector1">
@@ -11886,7 +11886,7 @@
       </p:cxnSp>
       <p:sp>
         <p:nvSpPr>
-          <p:cNvPr id="124936" name="Text Box 8"/>
+          <p:cNvPr id="62472" name="Text Box 8"/>
           <p:cNvSpPr txBox="1">
             <a:spLocks noChangeArrowheads="1"/>
           </p:cNvSpPr>
@@ -11894,7 +11894,7 @@
         </p:nvSpPr>
         <p:spPr bwMode="auto">
           <a:xfrm>
-            <a:off x="2670314" y="1414669"/>
+            <a:off x="2524540" y="1361660"/>
             <a:ext cx="1132233" cy="307777"/>
           </a:xfrm>
           <a:prstGeom prst="rect">
@@ -11939,7 +11939,7 @@
       </p:sp>
       <p:sp>
         <p:nvSpPr>
-          <p:cNvPr id="124937" name="Text Box 9"/>
+          <p:cNvPr id="62473" name="Text Box 9"/>
           <p:cNvSpPr txBox="1">
             <a:spLocks noChangeArrowheads="1"/>
           </p:cNvSpPr>
@@ -11947,7 +11947,7 @@
         </p:nvSpPr>
         <p:spPr bwMode="auto">
           <a:xfrm>
-            <a:off x="2647122" y="2478157"/>
+            <a:off x="2514600" y="2425148"/>
             <a:ext cx="1071512" cy="307777"/>
           </a:xfrm>
           <a:prstGeom prst="rect">
@@ -11992,7 +11992,7 @@
       </p:sp>
       <p:sp>
         <p:nvSpPr>
-          <p:cNvPr id="124938" name="Text Box 10"/>
+          <p:cNvPr id="62474" name="Text Box 10"/>
           <p:cNvSpPr txBox="1">
             <a:spLocks noChangeArrowheads="1"/>
           </p:cNvSpPr>
@@ -12000,7 +12000,7 @@
         </p:nvSpPr>
         <p:spPr bwMode="auto">
           <a:xfrm>
-            <a:off x="5072270" y="1769165"/>
+            <a:off x="4992756" y="1729408"/>
             <a:ext cx="1786579" cy="307777"/>
           </a:xfrm>
           <a:prstGeom prst="rect">
@@ -12040,7 +12040,7 @@
       </p:sp>
       <p:sp>
         <p:nvSpPr>
-          <p:cNvPr id="124939" name="Text Box 11"/>
+          <p:cNvPr id="62475" name="Text Box 11"/>
           <p:cNvSpPr txBox="1">
             <a:spLocks noChangeArrowheads="1"/>
           </p:cNvSpPr>
@@ -12048,7 +12048,7 @@
         </p:nvSpPr>
         <p:spPr bwMode="auto">
           <a:xfrm>
-            <a:off x="2349639" y="1017105"/>
+            <a:off x="2217117" y="977348"/>
             <a:ext cx="1146339" cy="307777"/>
           </a:xfrm>
           <a:prstGeom prst="rect">
@@ -12093,7 +12093,7 @@
       </p:sp>
       <p:sp>
         <p:nvSpPr>
-          <p:cNvPr id="124940" name="Rectangle 12"/>
+          <p:cNvPr id="62476" name="Rectangle 12"/>
           <p:cNvSpPr>
             <a:spLocks noChangeArrowheads="1"/>
           </p:cNvSpPr>
@@ -12101,7 +12101,7 @@
         </p:nvSpPr>
         <p:spPr bwMode="auto">
           <a:xfrm>
-            <a:off x="2633870" y="3839265"/>
+            <a:off x="2488096" y="3799508"/>
             <a:ext cx="1828800" cy="673100"/>
           </a:xfrm>
           <a:prstGeom prst="rect">
@@ -12136,7 +12136,7 @@
       </p:sp>
       <p:sp>
         <p:nvSpPr>
-          <p:cNvPr id="124941" name="Text Box 13"/>
+          <p:cNvPr id="62477" name="Text Box 13"/>
           <p:cNvSpPr txBox="1">
             <a:spLocks noChangeArrowheads="1"/>
           </p:cNvSpPr>
@@ -12144,7 +12144,7 @@
         </p:nvSpPr>
         <p:spPr bwMode="auto">
           <a:xfrm>
-            <a:off x="2628761" y="3539022"/>
+            <a:off x="2509491" y="3499265"/>
             <a:ext cx="1337417" cy="307777"/>
           </a:xfrm>
           <a:prstGeom prst="rect">
@@ -12187,45 +12187,9 @@
           </a:p>
         </p:txBody>
       </p:sp>
-      <p:cxnSp>
-        <p:nvCxnSpPr>
-          <p:cNvPr id="124942" name="AutoShape 14"/>
-          <p:cNvCxnSpPr>
-            <a:cxnSpLocks noChangeShapeType="1"/>
-            <a:stCxn id="124940" idx="0"/>
-            <a:endCxn id="124934" idx="2"/>
-          </p:cNvCxnSpPr>
-          <p:nvPr/>
-        </p:nvCxnSpPr>
-        <p:spPr bwMode="auto">
-          <a:xfrm flipV="1">
-            <a:off x="3548270" y="3445565"/>
-            <a:ext cx="15875" cy="393700"/>
-          </a:xfrm>
-          <a:prstGeom prst="straightConnector1">
-            <a:avLst/>
-          </a:prstGeom>
-          <a:noFill/>
-          <a:ln w="25400">
-            <a:solidFill>
-              <a:srgbClr val="FF0000"/>
-            </a:solidFill>
-            <a:round/>
-            <a:headEnd/>
-            <a:tailEnd type="triangle" w="med" len="med"/>
-          </a:ln>
-          <a:extLst>
-            <a:ext uri="{909E8E84-426E-40dd-AFC4-6F175D3DCCD1}">
-              <a14:hiddenFill xmlns="" xmlns:a14="http://schemas.microsoft.com/office/drawing/2010/main">
-                <a:noFill/>
-              </a14:hiddenFill>
-            </a:ext>
-          </a:extLst>
-        </p:spPr>
-      </p:cxnSp>
-      <p:sp>
-        <p:nvSpPr>
-          <p:cNvPr id="124944" name="Text Box 16"/>
+      <p:sp>
+        <p:nvSpPr>
+          <p:cNvPr id="62480" name="Text Box 16"/>
           <p:cNvSpPr txBox="1">
             <a:spLocks noChangeArrowheads="1"/>
           </p:cNvSpPr>
@@ -12233,7 +12197,7 @@
         </p:nvSpPr>
         <p:spPr bwMode="auto">
           <a:xfrm>
-            <a:off x="2710070" y="1753290"/>
+            <a:off x="2564296" y="1713533"/>
             <a:ext cx="937501" cy="307777"/>
           </a:xfrm>
           <a:prstGeom prst="rect">
@@ -12285,7 +12249,7 @@
       </p:sp>
       <p:sp>
         <p:nvSpPr>
-          <p:cNvPr id="124945" name="Text Box 17"/>
+          <p:cNvPr id="62481" name="Text Box 17"/>
           <p:cNvSpPr txBox="1">
             <a:spLocks noChangeArrowheads="1"/>
           </p:cNvSpPr>
@@ -12293,7 +12257,7 @@
         </p:nvSpPr>
         <p:spPr bwMode="auto">
           <a:xfrm>
-            <a:off x="2710070" y="1981890"/>
+            <a:off x="2564296" y="1942133"/>
             <a:ext cx="1579278" cy="307777"/>
           </a:xfrm>
           <a:prstGeom prst="rect">
@@ -12345,7 +12309,7 @@
       </p:sp>
       <p:sp>
         <p:nvSpPr>
-          <p:cNvPr id="124946" name="Text Box 18"/>
+          <p:cNvPr id="62482" name="Text Box 18"/>
           <p:cNvSpPr txBox="1">
             <a:spLocks noChangeArrowheads="1"/>
           </p:cNvSpPr>
@@ -12353,7 +12317,7 @@
         </p:nvSpPr>
         <p:spPr bwMode="auto">
           <a:xfrm>
-            <a:off x="2710070" y="2820090"/>
+            <a:off x="2564296" y="2780333"/>
             <a:ext cx="846129" cy="307777"/>
           </a:xfrm>
           <a:prstGeom prst="rect">
@@ -12405,18 +12369,18 @@
       </p:sp>
       <p:cxnSp>
         <p:nvCxnSpPr>
-          <p:cNvPr id="124947" name="AutoShape 19"/>
+          <p:cNvPr id="62483" name="AutoShape 19"/>
           <p:cNvCxnSpPr>
             <a:cxnSpLocks noChangeShapeType="1"/>
-            <a:stCxn id="124938" idx="1"/>
-            <a:endCxn id="124940" idx="3"/>
+            <a:stCxn id="62474" idx="1"/>
+            <a:endCxn id="62476" idx="3"/>
           </p:cNvCxnSpPr>
           <p:nvPr/>
         </p:nvCxnSpPr>
         <p:spPr bwMode="auto">
           <a:xfrm rot="10800000" flipV="1">
-            <a:off x="4462670" y="1923053"/>
-            <a:ext cx="609600" cy="2252761"/>
+            <a:off x="4316896" y="1883296"/>
+            <a:ext cx="675860" cy="2252761"/>
           </a:xfrm>
           <a:prstGeom prst="curvedConnector3">
             <a:avLst>
@@ -12443,7 +12407,7 @@
       </p:cxnSp>
       <p:sp>
         <p:nvSpPr>
-          <p:cNvPr id="124948" name="Text Box 20"/>
+          <p:cNvPr id="62484" name="Text Box 20"/>
           <p:cNvSpPr txBox="1">
             <a:spLocks noChangeArrowheads="1"/>
           </p:cNvSpPr>
@@ -12451,7 +12415,7 @@
         </p:nvSpPr>
         <p:spPr bwMode="auto">
           <a:xfrm>
-            <a:off x="2710070" y="3886890"/>
+            <a:off x="2564296" y="3847133"/>
             <a:ext cx="612668" cy="307777"/>
           </a:xfrm>
           <a:prstGeom prst="rect">
@@ -12501,10 +12465,48 @@
           </a:p>
         </p:txBody>
       </p:sp>
+      <p:cxnSp>
+        <p:nvCxnSpPr>
+          <p:cNvPr id="62486" name="AutoShape 22"/>
+          <p:cNvCxnSpPr>
+            <a:cxnSpLocks noChangeShapeType="1"/>
+            <a:stCxn id="62476" idx="3"/>
+            <a:endCxn id="62469" idx="3"/>
+          </p:cNvCxnSpPr>
+          <p:nvPr/>
+        </p:nvCxnSpPr>
+        <p:spPr bwMode="auto">
+          <a:xfrm flipV="1">
+            <a:off x="4316896" y="2002458"/>
+            <a:ext cx="15875" cy="2133600"/>
+          </a:xfrm>
+          <a:prstGeom prst="curvedConnector3">
+            <a:avLst>
+              <a:gd name="adj1" fmla="val 1540000"/>
+            </a:avLst>
+          </a:prstGeom>
+          <a:noFill/>
+          <a:ln w="25400">
+            <a:solidFill>
+              <a:srgbClr val="FF0000"/>
+            </a:solidFill>
+            <a:round/>
+            <a:headEnd/>
+            <a:tailEnd type="triangle" w="med" len="med"/>
+          </a:ln>
+          <a:extLst>
+            <a:ext uri="{909E8E84-426E-40dd-AFC4-6F175D3DCCD1}">
+              <a14:hiddenFill xmlns="" xmlns:a14="http://schemas.microsoft.com/office/drawing/2010/main">
+                <a:noFill/>
+              </a14:hiddenFill>
+            </a:ext>
+          </a:extLst>
+        </p:spPr>
+      </p:cxnSp>
     </p:spTree>
     <p:extLst>
       <p:ext uri="{BB962C8B-B14F-4D97-AF65-F5344CB8AC3E}">
-        <p14:creationId xmlns:p14="http://schemas.microsoft.com/office/powerpoint/2010/main" val="15112751"/>
+        <p14:creationId xmlns:p14="http://schemas.microsoft.com/office/powerpoint/2010/main" val="1673283217"/>
       </p:ext>
     </p:extLst>
   </p:cSld>
